--- a/Презентация.pptx
+++ b/Презентация.pptx
@@ -10,8 +10,7 @@
     <p:sldId id="258" r:id="rId4"/>
     <p:sldId id="259" r:id="rId5"/>
     <p:sldId id="260" r:id="rId6"/>
-    <p:sldId id="261" r:id="rId7"/>
-    <p:sldId id="262" r:id="rId8"/>
+    <p:sldId id="262" r:id="rId7"/>
   </p:sldIdLst>
   <p:sldSz cx="12192000" cy="6858000"/>
   <p:notesSz cx="6858000" cy="9144000"/>
@@ -110,6 +109,11 @@
       </a:defRPr>
     </a:lvl9pPr>
   </p:defaultTextStyle>
+  <p:extLst>
+    <p:ext uri="{EFAFB233-063F-42B5-8137-9DF3F51BA10A}">
+      <p15:sldGuideLst xmlns:p15="http://schemas.microsoft.com/office/powerpoint/2012/main"/>
+    </p:ext>
+  </p:extLst>
 </p:presentation>
 </file>
 
@@ -299,7 +303,7 @@
           <a:p>
             <a:fld id="{4AAD347D-5ACD-4C99-B74B-A9C85AD731AF}" type="datetimeFigureOut">
               <a:rPr lang="en-US" dirty="0"/>
-              <a:t>11/22/21</a:t>
+              <a:t>12/21/2021</a:t>
             </a:fld>
             <a:endParaRPr lang="en-US" dirty="0"/>
           </a:p>
@@ -569,7 +573,7 @@
           <a:p>
             <a:fld id="{4509A250-FF31-4206-8172-F9D3106AACB1}" type="datetimeFigureOut">
               <a:rPr lang="en-US" dirty="0"/>
-              <a:t>11/22/21</a:t>
+              <a:t>12/21/2021</a:t>
             </a:fld>
             <a:endParaRPr lang="en-US" dirty="0"/>
           </a:p>
@@ -758,7 +762,7 @@
           <a:p>
             <a:fld id="{4509A250-FF31-4206-8172-F9D3106AACB1}" type="datetimeFigureOut">
               <a:rPr lang="en-US" dirty="0"/>
-              <a:t>11/22/21</a:t>
+              <a:t>12/21/2021</a:t>
             </a:fld>
             <a:endParaRPr lang="en-US" dirty="0"/>
           </a:p>
@@ -1026,7 +1030,7 @@
           <a:p>
             <a:fld id="{4509A250-FF31-4206-8172-F9D3106AACB1}" type="datetimeFigureOut">
               <a:rPr lang="en-US" dirty="0"/>
-              <a:t>11/22/21</a:t>
+              <a:t>12/21/2021</a:t>
             </a:fld>
             <a:endParaRPr lang="en-US" dirty="0"/>
           </a:p>
@@ -1362,7 +1366,7 @@
           <a:p>
             <a:fld id="{4509A250-FF31-4206-8172-F9D3106AACB1}" type="datetimeFigureOut">
               <a:rPr lang="en-US" dirty="0"/>
-              <a:t>11/22/21</a:t>
+              <a:t>12/21/2021</a:t>
             </a:fld>
             <a:endParaRPr lang="en-US" dirty="0"/>
           </a:p>
@@ -1980,7 +1984,7 @@
           <a:p>
             <a:fld id="{4509A250-FF31-4206-8172-F9D3106AACB1}" type="datetimeFigureOut">
               <a:rPr lang="en-US" dirty="0"/>
-              <a:t>11/22/21</a:t>
+              <a:t>12/21/2021</a:t>
             </a:fld>
             <a:endParaRPr lang="en-US" dirty="0"/>
           </a:p>
@@ -2835,7 +2839,7 @@
           <a:p>
             <a:fld id="{4509A250-FF31-4206-8172-F9D3106AACB1}" type="datetimeFigureOut">
               <a:rPr lang="en-US" dirty="0"/>
-              <a:t>11/22/21</a:t>
+              <a:t>12/21/2021</a:t>
             </a:fld>
             <a:endParaRPr lang="en-US" dirty="0"/>
           </a:p>
@@ -3000,7 +3004,7 @@
           <a:p>
             <a:fld id="{4509A250-FF31-4206-8172-F9D3106AACB1}" type="datetimeFigureOut">
               <a:rPr lang="en-US" dirty="0"/>
-              <a:t>11/22/21</a:t>
+              <a:t>12/21/2021</a:t>
             </a:fld>
             <a:endParaRPr lang="en-US" dirty="0"/>
           </a:p>
@@ -3175,7 +3179,7 @@
           <a:p>
             <a:fld id="{4509A250-FF31-4206-8172-F9D3106AACB1}" type="datetimeFigureOut">
               <a:rPr lang="en-US" dirty="0"/>
-              <a:t>11/22/21</a:t>
+              <a:t>12/21/2021</a:t>
             </a:fld>
             <a:endParaRPr lang="en-US" dirty="0"/>
           </a:p>
@@ -3340,7 +3344,7 @@
           <a:p>
             <a:fld id="{4509A250-FF31-4206-8172-F9D3106AACB1}" type="datetimeFigureOut">
               <a:rPr lang="en-US" dirty="0"/>
-              <a:t>11/22/21</a:t>
+              <a:t>12/21/2021</a:t>
             </a:fld>
             <a:endParaRPr lang="en-US" dirty="0"/>
           </a:p>
@@ -3582,7 +3586,7 @@
           <a:p>
             <a:fld id="{9796027F-7875-4030-9381-8BD8C4F21935}" type="datetimeFigureOut">
               <a:rPr lang="en-US" dirty="0"/>
-              <a:t>11/22/21</a:t>
+              <a:t>12/21/2021</a:t>
             </a:fld>
             <a:endParaRPr lang="en-US" dirty="0"/>
           </a:p>
@@ -3869,7 +3873,7 @@
           <a:p>
             <a:fld id="{9796027F-7875-4030-9381-8BD8C4F21935}" type="datetimeFigureOut">
               <a:rPr lang="en-US" dirty="0"/>
-              <a:t>11/22/21</a:t>
+              <a:t>12/21/2021</a:t>
             </a:fld>
             <a:endParaRPr lang="en-US" dirty="0"/>
           </a:p>
@@ -4308,7 +4312,7 @@
           <a:p>
             <a:fld id="{9796027F-7875-4030-9381-8BD8C4F21935}" type="datetimeFigureOut">
               <a:rPr lang="en-US" dirty="0"/>
-              <a:t>11/22/21</a:t>
+              <a:t>12/21/2021</a:t>
             </a:fld>
             <a:endParaRPr lang="en-US" dirty="0"/>
           </a:p>
@@ -4421,7 +4425,7 @@
           <a:p>
             <a:fld id="{4509A250-FF31-4206-8172-F9D3106AACB1}" type="datetimeFigureOut">
               <a:rPr lang="en-US" dirty="0"/>
-              <a:t>11/22/21</a:t>
+              <a:t>12/21/2021</a:t>
             </a:fld>
             <a:endParaRPr lang="en-US" dirty="0"/>
           </a:p>
@@ -4511,7 +4515,7 @@
           <a:p>
             <a:fld id="{4509A250-FF31-4206-8172-F9D3106AACB1}" type="datetimeFigureOut">
               <a:rPr lang="en-US" dirty="0"/>
-              <a:t>11/22/21</a:t>
+              <a:t>12/21/2021</a:t>
             </a:fld>
             <a:endParaRPr lang="en-US" dirty="0"/>
           </a:p>
@@ -4785,7 +4789,7 @@
           <a:p>
             <a:fld id="{4509A250-FF31-4206-8172-F9D3106AACB1}" type="datetimeFigureOut">
               <a:rPr lang="en-US" dirty="0"/>
-              <a:t>11/22/21</a:t>
+              <a:t>12/21/2021</a:t>
             </a:fld>
             <a:endParaRPr lang="en-US" dirty="0"/>
           </a:p>
@@ -5055,7 +5059,7 @@
           <a:p>
             <a:fld id="{4509A250-FF31-4206-8172-F9D3106AACB1}" type="datetimeFigureOut">
               <a:rPr lang="en-US" dirty="0"/>
-              <a:t>11/22/21</a:t>
+              <a:t>12/21/2021</a:t>
             </a:fld>
             <a:endParaRPr lang="en-US" dirty="0"/>
           </a:p>
@@ -5479,7 +5483,7 @@
           <a:p>
             <a:fld id="{4AAD347D-5ACD-4C99-B74B-A9C85AD731AF}" type="datetimeFigureOut">
               <a:rPr lang="en-US" dirty="0"/>
-              <a:t>11/22/21</a:t>
+              <a:t>12/21/2021</a:t>
             </a:fld>
             <a:endParaRPr lang="en-US" dirty="0"/>
           </a:p>
@@ -6008,7 +6012,7 @@
           <p:cNvPr id="2" name="Заголовок 1">
             <a:extLst>
               <a:ext uri="{FF2B5EF4-FFF2-40B4-BE49-F238E27FC236}">
-                <a16:creationId xmlns:a16="http://schemas.microsoft.com/office/drawing/2014/main" id="{4C428B46-E8A0-A840-9C3F-4E8BE89D4FC1}"/>
+                <a16:creationId xmlns:a16="http://schemas.microsoft.com/office/drawing/2014/main" xmlns="" id="{4C428B46-E8A0-A840-9C3F-4E8BE89D4FC1}"/>
               </a:ext>
             </a:extLst>
           </p:cNvPr>
@@ -6038,7 +6042,7 @@
           <p:cNvPr id="3" name="Подзаголовок 2">
             <a:extLst>
               <a:ext uri="{FF2B5EF4-FFF2-40B4-BE49-F238E27FC236}">
-                <a16:creationId xmlns:a16="http://schemas.microsoft.com/office/drawing/2014/main" id="{96E69104-4DD4-6643-9BD7-DF9B2387F4C4}"/>
+                <a16:creationId xmlns:a16="http://schemas.microsoft.com/office/drawing/2014/main" xmlns="" id="{96E69104-4DD4-6643-9BD7-DF9B2387F4C4}"/>
               </a:ext>
             </a:extLst>
           </p:cNvPr>
@@ -6128,7 +6132,7 @@
           <p:cNvPr id="2" name="Заголовок 1">
             <a:extLst>
               <a:ext uri="{FF2B5EF4-FFF2-40B4-BE49-F238E27FC236}">
-                <a16:creationId xmlns:a16="http://schemas.microsoft.com/office/drawing/2014/main" id="{38F9C342-37C6-924B-8B2A-31CA324ECA33}"/>
+                <a16:creationId xmlns:a16="http://schemas.microsoft.com/office/drawing/2014/main" xmlns="" id="{38F9C342-37C6-924B-8B2A-31CA324ECA33}"/>
               </a:ext>
             </a:extLst>
           </p:cNvPr>
@@ -6163,7 +6167,7 @@
           <p:cNvPr id="8" name="Рисунок 7" descr="Изображение выглядит как текст&#10;&#10;Автоматически созданное описание">
             <a:extLst>
               <a:ext uri="{FF2B5EF4-FFF2-40B4-BE49-F238E27FC236}">
-                <a16:creationId xmlns:a16="http://schemas.microsoft.com/office/drawing/2014/main" id="{7099AAE6-D1F3-624E-A98E-008BA7EE4252}"/>
+                <a16:creationId xmlns:a16="http://schemas.microsoft.com/office/drawing/2014/main" xmlns="" id="{7099AAE6-D1F3-624E-A98E-008BA7EE4252}"/>
               </a:ext>
             </a:extLst>
           </p:cNvPr>
@@ -6200,7 +6204,7 @@
           <p:cNvPr id="3" name="Объект 2">
             <a:extLst>
               <a:ext uri="{FF2B5EF4-FFF2-40B4-BE49-F238E27FC236}">
-                <a16:creationId xmlns:a16="http://schemas.microsoft.com/office/drawing/2014/main" id="{C07F4A69-E96C-884F-BC96-BFD8F8096DFE}"/>
+                <a16:creationId xmlns:a16="http://schemas.microsoft.com/office/drawing/2014/main" xmlns="" id="{C07F4A69-E96C-884F-BC96-BFD8F8096DFE}"/>
               </a:ext>
             </a:extLst>
           </p:cNvPr>
@@ -6315,7 +6319,7 @@
           <p:cNvPr id="2" name="Заголовок 1">
             <a:extLst>
               <a:ext uri="{FF2B5EF4-FFF2-40B4-BE49-F238E27FC236}">
-                <a16:creationId xmlns:a16="http://schemas.microsoft.com/office/drawing/2014/main" id="{4D81156C-FFEC-8947-B2D0-348DE75858F4}"/>
+                <a16:creationId xmlns:a16="http://schemas.microsoft.com/office/drawing/2014/main" xmlns="" id="{4D81156C-FFEC-8947-B2D0-348DE75858F4}"/>
               </a:ext>
             </a:extLst>
           </p:cNvPr>
@@ -6350,7 +6354,7 @@
           <p:cNvPr id="7" name="Graphic 6" descr="Иерархия">
             <a:extLst>
               <a:ext uri="{FF2B5EF4-FFF2-40B4-BE49-F238E27FC236}">
-                <a16:creationId xmlns:a16="http://schemas.microsoft.com/office/drawing/2014/main" id="{F1FCF3F6-CA89-4577-B6AC-21633B75C781}"/>
+                <a16:creationId xmlns:a16="http://schemas.microsoft.com/office/drawing/2014/main" xmlns="" id="{F1FCF3F6-CA89-4577-B6AC-21633B75C781}"/>
               </a:ext>
             </a:extLst>
           </p:cNvPr>
@@ -6366,7 +6370,7 @@
                 <a14:useLocalDpi xmlns:a14="http://schemas.microsoft.com/office/drawing/2010/main" val="0"/>
               </a:ext>
               <a:ext uri="{96DAC541-7B7A-43D3-8B79-37D633B846F1}">
-                <asvg:svgBlip xmlns:asvg="http://schemas.microsoft.com/office/drawing/2016/SVG/main" r:embed="rId4"/>
+                <asvg:svgBlip xmlns:asvg="http://schemas.microsoft.com/office/drawing/2016/SVG/main" xmlns="" r:embed="rId4"/>
               </a:ext>
             </a:extLst>
           </a:blip>
@@ -6396,7 +6400,7 @@
           <p:cNvPr id="3" name="Объект 2">
             <a:extLst>
               <a:ext uri="{FF2B5EF4-FFF2-40B4-BE49-F238E27FC236}">
-                <a16:creationId xmlns:a16="http://schemas.microsoft.com/office/drawing/2014/main" id="{2C71CFA2-CFED-954F-BFA2-DCB206811878}"/>
+                <a16:creationId xmlns:a16="http://schemas.microsoft.com/office/drawing/2014/main" xmlns="" id="{2C71CFA2-CFED-954F-BFA2-DCB206811878}"/>
               </a:ext>
             </a:extLst>
           </p:cNvPr>
@@ -6627,7 +6631,7 @@
           <p:cNvPr id="2" name="Заголовок 1">
             <a:extLst>
               <a:ext uri="{FF2B5EF4-FFF2-40B4-BE49-F238E27FC236}">
-                <a16:creationId xmlns:a16="http://schemas.microsoft.com/office/drawing/2014/main" id="{DA576A98-D632-3948-BA95-55C5037F83BD}"/>
+                <a16:creationId xmlns:a16="http://schemas.microsoft.com/office/drawing/2014/main" xmlns="" id="{DA576A98-D632-3948-BA95-55C5037F83BD}"/>
               </a:ext>
             </a:extLst>
           </p:cNvPr>
@@ -6667,7 +6671,7 @@
           <p:cNvPr id="7" name="Graphic 6" descr="Восстановление">
             <a:extLst>
               <a:ext uri="{FF2B5EF4-FFF2-40B4-BE49-F238E27FC236}">
-                <a16:creationId xmlns:a16="http://schemas.microsoft.com/office/drawing/2014/main" id="{52DB6C3F-D79F-4CA4-B556-955F334550BF}"/>
+                <a16:creationId xmlns:a16="http://schemas.microsoft.com/office/drawing/2014/main" xmlns="" id="{52DB6C3F-D79F-4CA4-B556-955F334550BF}"/>
               </a:ext>
             </a:extLst>
           </p:cNvPr>
@@ -6683,7 +6687,7 @@
                 <a14:useLocalDpi xmlns:a14="http://schemas.microsoft.com/office/drawing/2010/main" val="0"/>
               </a:ext>
               <a:ext uri="{96DAC541-7B7A-43D3-8B79-37D633B846F1}">
-                <asvg:svgBlip xmlns:asvg="http://schemas.microsoft.com/office/drawing/2016/SVG/main" r:embed="rId4"/>
+                <asvg:svgBlip xmlns:asvg="http://schemas.microsoft.com/office/drawing/2016/SVG/main" xmlns="" r:embed="rId4"/>
               </a:ext>
             </a:extLst>
           </a:blip>
@@ -6713,7 +6717,7 @@
           <p:cNvPr id="3" name="Объект 2">
             <a:extLst>
               <a:ext uri="{FF2B5EF4-FFF2-40B4-BE49-F238E27FC236}">
-                <a16:creationId xmlns:a16="http://schemas.microsoft.com/office/drawing/2014/main" id="{6FD016E2-BEF4-A34C-8063-51532C5CE27D}"/>
+                <a16:creationId xmlns:a16="http://schemas.microsoft.com/office/drawing/2014/main" xmlns="" id="{6FD016E2-BEF4-A34C-8063-51532C5CE27D}"/>
               </a:ext>
             </a:extLst>
           </p:cNvPr>
@@ -6808,7 +6812,7 @@
           <p:cNvPr id="6" name="Рисунок 5">
             <a:extLst>
               <a:ext uri="{FF2B5EF4-FFF2-40B4-BE49-F238E27FC236}">
-                <a16:creationId xmlns:a16="http://schemas.microsoft.com/office/drawing/2014/main" id="{27EBD480-5763-F443-8327-6F70455FB850}"/>
+                <a16:creationId xmlns:a16="http://schemas.microsoft.com/office/drawing/2014/main" xmlns="" id="{27EBD480-5763-F443-8327-6F70455FB850}"/>
               </a:ext>
             </a:extLst>
           </p:cNvPr>
@@ -6845,7 +6849,7 @@
           <p:cNvPr id="3" name="Объект 2">
             <a:extLst>
               <a:ext uri="{FF2B5EF4-FFF2-40B4-BE49-F238E27FC236}">
-                <a16:creationId xmlns:a16="http://schemas.microsoft.com/office/drawing/2014/main" id="{B50EFAD1-D37B-0643-A4B4-8954D9B47DFC}"/>
+                <a16:creationId xmlns:a16="http://schemas.microsoft.com/office/drawing/2014/main" xmlns="" id="{B50EFAD1-D37B-0643-A4B4-8954D9B47DFC}"/>
               </a:ext>
             </a:extLst>
           </p:cNvPr>
@@ -6940,7 +6944,7 @@
           <p:cNvPr id="2" name="Заголовок 1">
             <a:extLst>
               <a:ext uri="{FF2B5EF4-FFF2-40B4-BE49-F238E27FC236}">
-                <a16:creationId xmlns:a16="http://schemas.microsoft.com/office/drawing/2014/main" id="{6B5BC535-DAC7-C748-B198-DFC6D96EB712}"/>
+                <a16:creationId xmlns:a16="http://schemas.microsoft.com/office/drawing/2014/main" xmlns="" id="{9738AD20-4F85-9248-90D3-FE5BAE481683}"/>
               </a:ext>
             </a:extLst>
           </p:cNvPr>
@@ -6957,13 +6961,14 @@
           <a:lstStyle/>
           <a:p>
             <a:r>
+              <a:rPr lang="ru-RU" dirty="0"/>
+              <a:t>Команда P</a:t>
+            </a:r>
+            <a:r>
               <a:rPr lang="en-US" dirty="0"/>
-              <a:t>О</a:t>
-            </a:r>
-            <a:r>
-              <a:rPr lang="ru-RU" dirty="0"/>
-              <a:t>сновная концепция</a:t>
-            </a:r>
+              <a:t>ac-man</a:t>
+            </a:r>
+            <a:endParaRPr lang="ru-RU" dirty="0"/>
           </a:p>
         </p:txBody>
       </p:sp>
@@ -6972,7 +6977,7 @@
           <p:cNvPr id="3" name="Объект 2">
             <a:extLst>
               <a:ext uri="{FF2B5EF4-FFF2-40B4-BE49-F238E27FC236}">
-                <a16:creationId xmlns:a16="http://schemas.microsoft.com/office/drawing/2014/main" id="{4BF6A9FA-19FD-C549-B497-1FA593A46A34}"/>
+                <a16:creationId xmlns:a16="http://schemas.microsoft.com/office/drawing/2014/main" xmlns="" id="{29C3C384-077A-FE48-85A9-77E2D80F5119}"/>
               </a:ext>
             </a:extLst>
           </p:cNvPr>
@@ -6985,107 +6990,9 @@
         </p:nvSpPr>
         <p:spPr/>
         <p:txBody>
-          <a:bodyPr/>
-          <a:lstStyle/>
-          <a:p>
-            <a:r>
-              <a:rPr lang="ru-RU" dirty="0"/>
-              <a:t>Данная игра существует уже много лет, но играть можно только на одной карте, которая создана разработчиками</a:t>
-            </a:r>
-          </a:p>
-          <a:p>
-            <a:endParaRPr lang="ru-RU" dirty="0"/>
-          </a:p>
-          <a:p>
-            <a:r>
-              <a:rPr lang="ru-RU" dirty="0"/>
-              <a:t>Мы же планируем реализовать режим создания карты , чтобы каждый игрок мог проявить воображение </a:t>
-            </a:r>
-          </a:p>
-        </p:txBody>
-      </p:sp>
-    </p:spTree>
-    <p:extLst>
-      <p:ext uri="{BB962C8B-B14F-4D97-AF65-F5344CB8AC3E}">
-        <p14:creationId xmlns:p14="http://schemas.microsoft.com/office/powerpoint/2010/main" val="3168851190"/>
-      </p:ext>
-    </p:extLst>
-  </p:cSld>
-  <p:clrMapOvr>
-    <a:masterClrMapping/>
-  </p:clrMapOvr>
-</p:sld>
-</file>
-
-<file path=ppt/slides/slide7.xml><?xml version="1.0" encoding="utf-8"?>
-<p:sld xmlns:a="http://schemas.openxmlformats.org/drawingml/2006/main" xmlns:r="http://schemas.openxmlformats.org/officeDocument/2006/relationships" xmlns:p="http://schemas.openxmlformats.org/presentationml/2006/main">
-  <p:cSld>
-    <p:spTree>
-      <p:nvGrpSpPr>
-        <p:cNvPr id="1" name=""/>
-        <p:cNvGrpSpPr/>
-        <p:nvPr/>
-      </p:nvGrpSpPr>
-      <p:grpSpPr>
-        <a:xfrm>
-          <a:off x="0" y="0"/>
-          <a:ext cx="0" cy="0"/>
-          <a:chOff x="0" y="0"/>
-          <a:chExt cx="0" cy="0"/>
-        </a:xfrm>
-      </p:grpSpPr>
-      <p:sp>
-        <p:nvSpPr>
-          <p:cNvPr id="2" name="Заголовок 1">
-            <a:extLst>
-              <a:ext uri="{FF2B5EF4-FFF2-40B4-BE49-F238E27FC236}">
-                <a16:creationId xmlns:a16="http://schemas.microsoft.com/office/drawing/2014/main" id="{9738AD20-4F85-9248-90D3-FE5BAE481683}"/>
-              </a:ext>
-            </a:extLst>
-          </p:cNvPr>
-          <p:cNvSpPr>
-            <a:spLocks noGrp="1"/>
-          </p:cNvSpPr>
-          <p:nvPr>
-            <p:ph type="title"/>
-          </p:nvPr>
-        </p:nvSpPr>
-        <p:spPr/>
-        <p:txBody>
-          <a:bodyPr/>
-          <a:lstStyle/>
-          <a:p>
-            <a:r>
-              <a:rPr lang="ru-RU" dirty="0"/>
-              <a:t>Команда P</a:t>
-            </a:r>
-            <a:r>
-              <a:rPr lang="en-US" dirty="0"/>
-              <a:t>ac-man</a:t>
-            </a:r>
-            <a:endParaRPr lang="ru-RU" dirty="0"/>
-          </a:p>
-        </p:txBody>
-      </p:sp>
-      <p:sp>
-        <p:nvSpPr>
-          <p:cNvPr id="3" name="Объект 2">
-            <a:extLst>
-              <a:ext uri="{FF2B5EF4-FFF2-40B4-BE49-F238E27FC236}">
-                <a16:creationId xmlns:a16="http://schemas.microsoft.com/office/drawing/2014/main" id="{29C3C384-077A-FE48-85A9-77E2D80F5119}"/>
-              </a:ext>
-            </a:extLst>
-          </p:cNvPr>
-          <p:cNvSpPr>
-            <a:spLocks noGrp="1"/>
-          </p:cNvSpPr>
-          <p:nvPr>
-            <p:ph idx="1"/>
-          </p:nvPr>
-        </p:nvSpPr>
-        <p:spPr/>
-        <p:txBody>
-          <a:bodyPr/>
+          <a:bodyPr>
+            <a:normAutofit/>
+          </a:bodyPr>
           <a:lstStyle/>
           <a:p>
             <a:r>
@@ -7099,7 +7006,15 @@
             </a:pPr>
             <a:r>
               <a:rPr lang="ru-RU" dirty="0"/>
-              <a:t>	Реализует механику духов: движение, преследование, режимы</a:t>
+              <a:t>	</a:t>
+            </a:r>
+            <a:r>
+              <a:rPr lang="ru-RU" dirty="0" smtClean="0"/>
+              <a:t>Реализовал </a:t>
+            </a:r>
+            <a:r>
+              <a:rPr lang="ru-RU" dirty="0"/>
+              <a:t>механику духов: движение, преследование, режимы</a:t>
             </a:r>
           </a:p>
           <a:p>
@@ -7108,7 +7023,11 @@
             </a:pPr>
             <a:r>
               <a:rPr lang="ru-RU" dirty="0"/>
-              <a:t>	Создает режим создания своей собственной карты </a:t>
+              <a:t>	</a:t>
+            </a:r>
+            <a:r>
+              <a:rPr lang="ru-RU" dirty="0" smtClean="0"/>
+              <a:t>Создал игровую карту</a:t>
             </a:r>
           </a:p>
           <a:p>
@@ -7119,13 +7038,28 @@
           </a:p>
           <a:p>
             <a:r>
-              <a:rPr lang="en-US" dirty="0"/>
+              <a:rPr lang="en-US" dirty="0" smtClean="0"/>
               <a:t>Python-</a:t>
             </a:r>
             <a:r>
+              <a:rPr lang="ru-RU" dirty="0" smtClean="0"/>
+              <a:t>программист – Молунов Владимир</a:t>
+            </a:r>
+            <a:endParaRPr lang="ru-RU" dirty="0"/>
+          </a:p>
+          <a:p>
+            <a:pPr marL="0" indent="0">
+              <a:buNone/>
+            </a:pPr>
+            <a:r>
               <a:rPr lang="ru-RU" dirty="0"/>
-              <a:t>программист – Молунов Владимир</a:t>
-            </a:r>
+              <a:t>	Реализовал управление и движение </a:t>
+            </a:r>
+            <a:r>
+              <a:rPr lang="ru-RU" dirty="0" err="1" smtClean="0"/>
+              <a:t>пэкмена</a:t>
+            </a:r>
+            <a:endParaRPr lang="ru-RU" dirty="0" smtClean="0"/>
           </a:p>
           <a:p>
             <a:pPr marL="0" indent="0">
@@ -7133,7 +7067,19 @@
             </a:pPr>
             <a:r>
               <a:rPr lang="ru-RU" dirty="0"/>
-              <a:t>	Реализует управление и движение пэкмена</a:t>
+              <a:t>	</a:t>
+            </a:r>
+            <a:r>
+              <a:rPr lang="ru-RU" dirty="0" smtClean="0"/>
+              <a:t>Реализовал </a:t>
+            </a:r>
+            <a:r>
+              <a:rPr lang="ru-RU" dirty="0"/>
+              <a:t>подсчет очков и значение </a:t>
+            </a:r>
+            <a:r>
+              <a:rPr lang="ru-RU" dirty="0" smtClean="0"/>
+              <a:t>рекорда</a:t>
             </a:r>
           </a:p>
           <a:p>
@@ -7142,25 +7088,9 @@
             </a:pPr>
             <a:r>
               <a:rPr lang="ru-RU" dirty="0"/>
-              <a:t>	Создает стандартную карту</a:t>
-            </a:r>
-          </a:p>
-          <a:p>
-            <a:pPr marL="0" indent="0">
-              <a:buNone/>
-            </a:pPr>
-            <a:r>
-              <a:rPr lang="ru-RU" dirty="0"/>
-              <a:t>	Реализует подсчет очков </a:t>
-            </a:r>
-            <a:r>
-              <a:rPr lang="ru-RU"/>
-              <a:t>и значение </a:t>
-            </a:r>
-            <a:r>
-              <a:rPr lang="ru-RU" dirty="0"/>
-              <a:t>рекорда</a:t>
-            </a:r>
+              <a:t>	</a:t>
+            </a:r>
+            <a:endParaRPr lang="ru-RU" dirty="0"/>
           </a:p>
         </p:txBody>
       </p:sp>

--- a/Презентация.pptx
+++ b/Презентация.pptx
@@ -6991,7 +6991,7 @@
         <p:spPr/>
         <p:txBody>
           <a:bodyPr>
-            <a:normAutofit/>
+            <a:normAutofit fontScale="92500"/>
           </a:bodyPr>
           <a:lstStyle/>
           <a:p>
@@ -7029,6 +7029,21 @@
               <a:rPr lang="ru-RU" dirty="0" smtClean="0"/>
               <a:t>Создал игровую карту</a:t>
             </a:r>
+            <a:endParaRPr lang="ru-RU" dirty="0"/>
+          </a:p>
+          <a:p>
+            <a:pPr marL="0" indent="0">
+              <a:buNone/>
+            </a:pPr>
+            <a:r>
+              <a:rPr lang="ru-RU" dirty="0"/>
+              <a:t>	Реализовал управление и движение </a:t>
+            </a:r>
+            <a:r>
+              <a:rPr lang="ru-RU" dirty="0" err="1"/>
+              <a:t>пэкмена</a:t>
+            </a:r>
+            <a:endParaRPr lang="ru-RU" dirty="0"/>
           </a:p>
           <a:p>
             <a:pPr marL="0" indent="0">
@@ -7053,13 +7068,20 @@
             </a:pPr>
             <a:r>
               <a:rPr lang="ru-RU" dirty="0"/>
-              <a:t>	Реализовал управление и движение </a:t>
-            </a:r>
-            <a:r>
-              <a:rPr lang="ru-RU" dirty="0" err="1" smtClean="0"/>
-              <a:t>пэкмена</a:t>
-            </a:r>
-            <a:endParaRPr lang="ru-RU" dirty="0" smtClean="0"/>
+              <a:t>	</a:t>
+            </a:r>
+            <a:r>
+              <a:rPr lang="ru-RU" dirty="0" smtClean="0"/>
+              <a:t>Реализовал </a:t>
+            </a:r>
+            <a:r>
+              <a:rPr lang="ru-RU" dirty="0"/>
+              <a:t>подсчет очков и значение </a:t>
+            </a:r>
+            <a:r>
+              <a:rPr lang="ru-RU" dirty="0" smtClean="0"/>
+              <a:t>рекорда</a:t>
+            </a:r>
           </a:p>
           <a:p>
             <a:pPr marL="0" indent="0">
@@ -7071,16 +7093,26 @@
             </a:r>
             <a:r>
               <a:rPr lang="ru-RU" dirty="0" smtClean="0"/>
-              <a:t>Реализовал </a:t>
-            </a:r>
+              <a:t>Реализовал столкновение персонажей и финальный экран</a:t>
+            </a:r>
+          </a:p>
+          <a:p>
+            <a:pPr marL="0" indent="0">
+              <a:buNone/>
+            </a:pPr>
             <a:r>
               <a:rPr lang="ru-RU" dirty="0"/>
-              <a:t>подсчет очков и значение </a:t>
+              <a:t>	</a:t>
             </a:r>
             <a:r>
               <a:rPr lang="ru-RU" dirty="0" smtClean="0"/>
-              <a:t>рекорда</a:t>
-            </a:r>
+              <a:t>Ответственный за документацию и </a:t>
+            </a:r>
+            <a:r>
+              <a:rPr lang="ru-RU" smtClean="0"/>
+              <a:t>описание программы</a:t>
+            </a:r>
+            <a:endParaRPr lang="ru-RU" dirty="0" smtClean="0"/>
           </a:p>
           <a:p>
             <a:pPr marL="0" indent="0">
